--- a/提出用ファイル/操作_215_はまぐり.pptx
+++ b/提出用ファイル/操作_215_はまぐり.pptx
@@ -106,6 +106,11 @@
       </a:defRPr>
     </a:lvl9pPr>
   </p:defaultTextStyle>
+  <p:extLst>
+    <p:ext uri="{EFAFB233-063F-42B5-8137-9DF3F51BA10A}">
+      <p15:sldGuideLst xmlns:p15="http://schemas.microsoft.com/office/powerpoint/2012/main"/>
+    </p:ext>
+  </p:extLst>
 </p:presentation>
 </file>
 
@@ -3833,7 +3838,7 @@
         </p:blipFill>
         <p:spPr>
           <a:xfrm>
-            <a:off x="7191152" y="1716148"/>
+            <a:off x="7191152" y="1616287"/>
             <a:ext cx="4784037" cy="2426324"/>
           </a:xfrm>
           <a:prstGeom prst="rect">
@@ -3877,6 +3882,97 @@
           </a:prstGeom>
         </p:spPr>
       </p:pic>
+      <p:sp>
+        <p:nvSpPr>
+          <p:cNvPr id="3" name="正方形/長方形 2">
+            <a:extLst>
+              <a:ext uri="{FF2B5EF4-FFF2-40B4-BE49-F238E27FC236}">
+                <a16:creationId xmlns:a16="http://schemas.microsoft.com/office/drawing/2014/main" id="{45ED0F89-804E-4EE0-8690-EE98DB0AF9E2}"/>
+              </a:ext>
+            </a:extLst>
+          </p:cNvPr>
+          <p:cNvSpPr/>
+          <p:nvPr/>
+        </p:nvSpPr>
+        <p:spPr>
+          <a:xfrm>
+            <a:off x="7471611" y="2941850"/>
+            <a:ext cx="1082842" cy="270582"/>
+          </a:xfrm>
+          <a:prstGeom prst="rect">
+            <a:avLst/>
+          </a:prstGeom>
+        </p:spPr>
+        <p:style>
+          <a:lnRef idx="2">
+            <a:schemeClr val="accent6"/>
+          </a:lnRef>
+          <a:fillRef idx="1">
+            <a:schemeClr val="lt1"/>
+          </a:fillRef>
+          <a:effectRef idx="0">
+            <a:schemeClr val="accent6"/>
+          </a:effectRef>
+          <a:fontRef idx="minor">
+            <a:schemeClr val="dk1"/>
+          </a:fontRef>
+        </p:style>
+        <p:txBody>
+          <a:bodyPr rtlCol="0" anchor="ctr"/>
+          <a:lstStyle/>
+          <a:p>
+            <a:pPr algn="ctr"/>
+            <a:endParaRPr kumimoji="1" lang="ja-JP" altLang="en-US"/>
+          </a:p>
+        </p:txBody>
+      </p:sp>
+      <p:sp>
+        <p:nvSpPr>
+          <p:cNvPr id="6" name="正方形/長方形 5">
+            <a:extLst>
+              <a:ext uri="{FF2B5EF4-FFF2-40B4-BE49-F238E27FC236}">
+                <a16:creationId xmlns:a16="http://schemas.microsoft.com/office/drawing/2014/main" id="{A9BAA292-28DA-495C-ABCD-F2AB14CF0704}"/>
+              </a:ext>
+            </a:extLst>
+          </p:cNvPr>
+          <p:cNvSpPr/>
+          <p:nvPr/>
+        </p:nvSpPr>
+        <p:spPr>
+          <a:xfrm>
+            <a:off x="10984832" y="2755232"/>
+            <a:ext cx="709863" cy="457200"/>
+          </a:xfrm>
+          <a:prstGeom prst="rect">
+            <a:avLst/>
+          </a:prstGeom>
+        </p:spPr>
+        <p:style>
+          <a:lnRef idx="2">
+            <a:schemeClr val="accent6"/>
+          </a:lnRef>
+          <a:fillRef idx="1">
+            <a:schemeClr val="lt1"/>
+          </a:fillRef>
+          <a:effectRef idx="0">
+            <a:schemeClr val="accent6"/>
+          </a:effectRef>
+          <a:fontRef idx="minor">
+            <a:schemeClr val="dk1"/>
+          </a:fontRef>
+        </p:style>
+        <p:txBody>
+          <a:bodyPr rtlCol="0" anchor="ctr"/>
+          <a:lstStyle/>
+          <a:p>
+            <a:pPr algn="ctr"/>
+            <a:r>
+              <a:rPr kumimoji="1" lang="ja-JP" altLang="en-US" dirty="0"/>
+              <a:t>決定</a:t>
+            </a:r>
+          </a:p>
+        </p:txBody>
+      </p:sp>
     </p:spTree>
     <p:extLst>
       <p:ext uri="{BB962C8B-B14F-4D97-AF65-F5344CB8AC3E}">

--- a/提出用ファイル/操作_215_はまぐり.pptx
+++ b/提出用ファイル/操作_215_はまぐり.pptx
@@ -3973,6 +3973,96 @@
           </a:p>
         </p:txBody>
       </p:sp>
+      <p:sp>
+        <p:nvSpPr>
+          <p:cNvPr id="10" name="正方形/長方形 9">
+            <a:extLst>
+              <a:ext uri="{FF2B5EF4-FFF2-40B4-BE49-F238E27FC236}">
+                <a16:creationId xmlns:a16="http://schemas.microsoft.com/office/drawing/2014/main" id="{B5ED27FC-0D8F-490B-BD94-5D771AD1E831}"/>
+              </a:ext>
+            </a:extLst>
+          </p:cNvPr>
+          <p:cNvSpPr/>
+          <p:nvPr/>
+        </p:nvSpPr>
+        <p:spPr>
+          <a:xfrm>
+            <a:off x="7336908" y="2087708"/>
+            <a:ext cx="4488148" cy="1953618"/>
+          </a:xfrm>
+          <a:prstGeom prst="rect">
+            <a:avLst/>
+          </a:prstGeom>
+          <a:solidFill>
+            <a:schemeClr val="bg1"/>
+          </a:solidFill>
+          <a:ln>
+            <a:solidFill>
+              <a:schemeClr val="bg1"/>
+            </a:solidFill>
+          </a:ln>
+        </p:spPr>
+        <p:style>
+          <a:lnRef idx="2">
+            <a:schemeClr val="accent1">
+              <a:shade val="50000"/>
+            </a:schemeClr>
+          </a:lnRef>
+          <a:fillRef idx="1">
+            <a:schemeClr val="accent1"/>
+          </a:fillRef>
+          <a:effectRef idx="0">
+            <a:schemeClr val="accent1"/>
+          </a:effectRef>
+          <a:fontRef idx="minor">
+            <a:schemeClr val="lt1"/>
+          </a:fontRef>
+        </p:style>
+        <p:txBody>
+          <a:bodyPr rtlCol="0" anchor="ctr"/>
+          <a:lstStyle/>
+          <a:p>
+            <a:pPr algn="ctr"/>
+            <a:endParaRPr kumimoji="1" lang="ja-JP" altLang="en-US"/>
+          </a:p>
+        </p:txBody>
+      </p:sp>
+      <p:pic>
+        <p:nvPicPr>
+          <p:cNvPr id="8" name="図 7">
+            <a:extLst>
+              <a:ext uri="{FF2B5EF4-FFF2-40B4-BE49-F238E27FC236}">
+                <a16:creationId xmlns:a16="http://schemas.microsoft.com/office/drawing/2014/main" id="{AD94ED40-858D-40FA-8AC7-1E5F7E2A6096}"/>
+              </a:ext>
+            </a:extLst>
+          </p:cNvPr>
+          <p:cNvPicPr>
+            <a:picLocks noChangeAspect="1"/>
+          </p:cNvPicPr>
+          <p:nvPr/>
+        </p:nvPicPr>
+        <p:blipFill>
+          <a:blip r:embed="rId5">
+            <a:extLst>
+              <a:ext uri="{28A0092B-C50C-407E-A947-70E740481C1C}">
+                <a14:useLocalDpi xmlns:a14="http://schemas.microsoft.com/office/drawing/2010/main" val="0"/>
+              </a:ext>
+            </a:extLst>
+          </a:blip>
+          <a:stretch>
+            <a:fillRect/>
+          </a:stretch>
+        </p:blipFill>
+        <p:spPr>
+          <a:xfrm>
+            <a:off x="7422422" y="1919810"/>
+            <a:ext cx="4402633" cy="2062333"/>
+          </a:xfrm>
+          <a:prstGeom prst="rect">
+            <a:avLst/>
+          </a:prstGeom>
+        </p:spPr>
+      </p:pic>
     </p:spTree>
     <p:extLst>
       <p:ext uri="{BB962C8B-B14F-4D97-AF65-F5344CB8AC3E}">
